--- a/Applied Data Science - Naive Bayes.pptx
+++ b/Applied Data Science - Naive Bayes.pptx
@@ -5,7 +5,7 @@
     <p:sldMasterId id="2147483833" r:id="rId1"/>
   </p:sldMasterIdLst>
   <p:notesMasterIdLst>
-    <p:notesMasterId r:id="rId10"/>
+    <p:notesMasterId r:id="rId9"/>
   </p:notesMasterIdLst>
   <p:sldIdLst>
     <p:sldId id="256" r:id="rId2"/>
@@ -15,7 +15,6 @@
     <p:sldId id="264" r:id="rId6"/>
     <p:sldId id="263" r:id="rId7"/>
     <p:sldId id="267" r:id="rId8"/>
-    <p:sldId id="268" r:id="rId9"/>
   </p:sldIdLst>
   <p:sldSz cx="12192000" cy="6858000"/>
   <p:notesSz cx="6858000" cy="9144000"/>
@@ -204,7 +203,7 @@
           <a:p>
             <a:fld id="{F1D2C95C-E6C5-47EE-A945-EBB416EE6C3F}" type="datetimeFigureOut">
               <a:rPr lang="en-US" smtClean="0"/>
-              <a:t>5/2/2017</a:t>
+              <a:t>5/9/2017</a:t>
             </a:fld>
             <a:endParaRPr lang="en-US"/>
           </a:p>
@@ -472,1665 +471,6 @@
 </p:notesMaster>
 </file>
 
-<file path=ppt/notesSlides/notesSlide1.xml><?xml version="1.0" encoding="utf-8"?>
-<p:notes xmlns:a="http://schemas.openxmlformats.org/drawingml/2006/main" xmlns:r="http://schemas.openxmlformats.org/officeDocument/2006/relationships" xmlns:p="http://schemas.openxmlformats.org/presentationml/2006/main">
-  <p:cSld>
-    <p:spTree>
-      <p:nvGrpSpPr>
-        <p:cNvPr id="1" name=""/>
-        <p:cNvGrpSpPr/>
-        <p:nvPr/>
-      </p:nvGrpSpPr>
-      <p:grpSpPr>
-        <a:xfrm>
-          <a:off x="0" y="0"/>
-          <a:ext cx="0" cy="0"/>
-          <a:chOff x="0" y="0"/>
-          <a:chExt cx="0" cy="0"/>
-        </a:xfrm>
-      </p:grpSpPr>
-      <p:sp>
-        <p:nvSpPr>
-          <p:cNvPr id="2" name="Slide Image Placeholder 1"/>
-          <p:cNvSpPr>
-            <a:spLocks noGrp="1" noRot="1" noChangeAspect="1"/>
-          </p:cNvSpPr>
-          <p:nvPr>
-            <p:ph type="sldImg"/>
-          </p:nvPr>
-        </p:nvSpPr>
-        <p:spPr/>
-      </p:sp>
-      <p:sp>
-        <p:nvSpPr>
-          <p:cNvPr id="3" name="Notes Placeholder 2"/>
-          <p:cNvSpPr>
-            <a:spLocks noGrp="1"/>
-          </p:cNvSpPr>
-          <p:nvPr>
-            <p:ph type="body" idx="1"/>
-          </p:nvPr>
-        </p:nvSpPr>
-        <p:spPr/>
-        <p:txBody>
-          <a:bodyPr/>
-          <a:lstStyle/>
-          <a:p>
-            <a:r>
-              <a:rPr lang="en-US" sz="1200" b="0" i="0" u="none" strike="noStrike" kern="1200" baseline="0" dirty="0" smtClean="0">
-                <a:solidFill>
-                  <a:schemeClr val="tx1"/>
-                </a:solidFill>
-                <a:latin typeface="+mn-lt"/>
-                <a:ea typeface="+mn-ea"/>
-                <a:cs typeface="+mn-cs"/>
-              </a:rPr>
-              <a:t>from </a:t>
-            </a:r>
-            <a:r>
-              <a:rPr lang="en-US" sz="1200" b="0" i="0" u="none" strike="noStrike" kern="1200" baseline="0" dirty="0" err="1" smtClean="0">
-                <a:solidFill>
-                  <a:schemeClr val="tx1"/>
-                </a:solidFill>
-                <a:latin typeface="+mn-lt"/>
-                <a:ea typeface="+mn-ea"/>
-                <a:cs typeface="+mn-cs"/>
-              </a:rPr>
-              <a:t>sklearn.datasets</a:t>
-            </a:r>
-            <a:r>
-              <a:rPr lang="en-US" sz="1200" b="0" i="0" u="none" strike="noStrike" kern="1200" baseline="0" dirty="0" smtClean="0">
-                <a:solidFill>
-                  <a:schemeClr val="tx1"/>
-                </a:solidFill>
-                <a:latin typeface="+mn-lt"/>
-                <a:ea typeface="+mn-ea"/>
-                <a:cs typeface="+mn-cs"/>
-              </a:rPr>
-              <a:t> import fetch_20newsgroups</a:t>
-            </a:r>
-          </a:p>
-          <a:p>
-            <a:r>
-              <a:rPr lang="en-US" sz="1200" b="0" i="0" u="none" strike="noStrike" kern="1200" baseline="0" dirty="0" err="1" smtClean="0">
-                <a:solidFill>
-                  <a:schemeClr val="tx1"/>
-                </a:solidFill>
-                <a:latin typeface="+mn-lt"/>
-                <a:ea typeface="+mn-ea"/>
-                <a:cs typeface="+mn-cs"/>
-              </a:rPr>
-              <a:t>newsgroups_train</a:t>
-            </a:r>
-            <a:r>
-              <a:rPr lang="en-US" sz="1200" b="0" i="0" u="none" strike="noStrike" kern="1200" baseline="0" dirty="0" smtClean="0">
-                <a:solidFill>
-                  <a:schemeClr val="tx1"/>
-                </a:solidFill>
-                <a:latin typeface="+mn-lt"/>
-                <a:ea typeface="+mn-ea"/>
-                <a:cs typeface="+mn-cs"/>
-              </a:rPr>
-              <a:t> = fetch_20newsgroups(subset='train',</a:t>
-            </a:r>
-          </a:p>
-          <a:p>
-            <a:r>
-              <a:rPr lang="en-US" sz="1200" b="0" i="0" u="none" strike="noStrike" kern="1200" baseline="0" dirty="0" smtClean="0">
-                <a:solidFill>
-                  <a:schemeClr val="tx1"/>
-                </a:solidFill>
-                <a:latin typeface="+mn-lt"/>
-                <a:ea typeface="+mn-ea"/>
-                <a:cs typeface="+mn-cs"/>
-              </a:rPr>
-              <a:t>remove=('headers', 'footers', 'quotes'))</a:t>
-            </a:r>
-          </a:p>
-          <a:p>
-            <a:r>
-              <a:rPr lang="en-US" sz="1200" b="0" i="0" u="none" strike="noStrike" kern="1200" baseline="0" dirty="0" err="1" smtClean="0">
-                <a:solidFill>
-                  <a:schemeClr val="tx1"/>
-                </a:solidFill>
-                <a:latin typeface="+mn-lt"/>
-                <a:ea typeface="+mn-ea"/>
-                <a:cs typeface="+mn-cs"/>
-              </a:rPr>
-              <a:t>newsgroups_test</a:t>
-            </a:r>
-            <a:r>
-              <a:rPr lang="en-US" sz="1200" b="0" i="0" u="none" strike="noStrike" kern="1200" baseline="0" dirty="0" smtClean="0">
-                <a:solidFill>
-                  <a:schemeClr val="tx1"/>
-                </a:solidFill>
-                <a:latin typeface="+mn-lt"/>
-                <a:ea typeface="+mn-ea"/>
-                <a:cs typeface="+mn-cs"/>
-              </a:rPr>
-              <a:t> = fetch_20newsgroups(subset='test',</a:t>
-            </a:r>
-          </a:p>
-          <a:p>
-            <a:r>
-              <a:rPr lang="en-US" sz="1200" b="0" i="0" u="none" strike="noStrike" kern="1200" baseline="0" dirty="0" smtClean="0">
-                <a:solidFill>
-                  <a:schemeClr val="tx1"/>
-                </a:solidFill>
-                <a:latin typeface="+mn-lt"/>
-                <a:ea typeface="+mn-ea"/>
-                <a:cs typeface="+mn-cs"/>
-              </a:rPr>
-              <a:t>remove=('headers', 'footers', 'quotes'))</a:t>
-            </a:r>
-          </a:p>
-          <a:p>
-            <a:endParaRPr lang="en-US" sz="1200" b="0" i="0" u="none" strike="noStrike" kern="1200" baseline="0" dirty="0" smtClean="0">
-              <a:solidFill>
-                <a:schemeClr val="tx1"/>
-              </a:solidFill>
-              <a:latin typeface="+mn-lt"/>
-              <a:ea typeface="+mn-ea"/>
-              <a:cs typeface="+mn-cs"/>
-            </a:endParaRPr>
-          </a:p>
-          <a:p>
-            <a:r>
-              <a:rPr lang="en-US" sz="1200" b="0" i="0" u="none" strike="noStrike" kern="1200" baseline="0" dirty="0" smtClean="0">
-                <a:solidFill>
-                  <a:schemeClr val="tx1"/>
-                </a:solidFill>
-                <a:latin typeface="+mn-lt"/>
-                <a:ea typeface="+mn-ea"/>
-                <a:cs typeface="+mn-cs"/>
-              </a:rPr>
-              <a:t>from </a:t>
-            </a:r>
-            <a:r>
-              <a:rPr lang="en-US" sz="1200" b="0" i="0" u="none" strike="noStrike" kern="1200" baseline="0" dirty="0" err="1" smtClean="0">
-                <a:solidFill>
-                  <a:schemeClr val="tx1"/>
-                </a:solidFill>
-                <a:latin typeface="+mn-lt"/>
-                <a:ea typeface="+mn-ea"/>
-                <a:cs typeface="+mn-cs"/>
-              </a:rPr>
-              <a:t>sklearn.naive_bayes</a:t>
-            </a:r>
-            <a:r>
-              <a:rPr lang="en-US" sz="1200" b="0" i="0" u="none" strike="noStrike" kern="1200" baseline="0" dirty="0" smtClean="0">
-                <a:solidFill>
-                  <a:schemeClr val="tx1"/>
-                </a:solidFill>
-                <a:latin typeface="+mn-lt"/>
-                <a:ea typeface="+mn-ea"/>
-                <a:cs typeface="+mn-cs"/>
-              </a:rPr>
-              <a:t> import </a:t>
-            </a:r>
-            <a:r>
-              <a:rPr lang="en-US" sz="1200" b="0" i="0" u="none" strike="noStrike" kern="1200" baseline="0" dirty="0" err="1" smtClean="0">
-                <a:solidFill>
-                  <a:schemeClr val="tx1"/>
-                </a:solidFill>
-                <a:latin typeface="+mn-lt"/>
-                <a:ea typeface="+mn-ea"/>
-                <a:cs typeface="+mn-cs"/>
-              </a:rPr>
-              <a:t>BernoulliNB</a:t>
-            </a:r>
-            <a:r>
-              <a:rPr lang="en-US" sz="1200" b="0" i="0" u="none" strike="noStrike" kern="1200" baseline="0" dirty="0" smtClean="0">
-                <a:solidFill>
-                  <a:schemeClr val="tx1"/>
-                </a:solidFill>
-                <a:latin typeface="+mn-lt"/>
-                <a:ea typeface="+mn-ea"/>
-                <a:cs typeface="+mn-cs"/>
-              </a:rPr>
-              <a:t>, </a:t>
-            </a:r>
-            <a:r>
-              <a:rPr lang="en-US" sz="1200" b="0" i="0" u="none" strike="noStrike" kern="1200" baseline="0" dirty="0" err="1" smtClean="0">
-                <a:solidFill>
-                  <a:schemeClr val="tx1"/>
-                </a:solidFill>
-                <a:latin typeface="+mn-lt"/>
-                <a:ea typeface="+mn-ea"/>
-                <a:cs typeface="+mn-cs"/>
-              </a:rPr>
-              <a:t>MultinomialNB</a:t>
-            </a:r>
-            <a:endParaRPr lang="en-US" sz="1200" b="0" i="0" u="none" strike="noStrike" kern="1200" baseline="0" dirty="0" smtClean="0">
-              <a:solidFill>
-                <a:schemeClr val="tx1"/>
-              </a:solidFill>
-              <a:latin typeface="+mn-lt"/>
-              <a:ea typeface="+mn-ea"/>
-              <a:cs typeface="+mn-cs"/>
-            </a:endParaRPr>
-          </a:p>
-          <a:p>
-            <a:r>
-              <a:rPr lang="en-US" sz="1200" b="0" i="0" u="none" strike="noStrike" kern="1200" baseline="0" dirty="0" smtClean="0">
-                <a:solidFill>
-                  <a:schemeClr val="tx1"/>
-                </a:solidFill>
-                <a:latin typeface="+mn-lt"/>
-                <a:ea typeface="+mn-ea"/>
-                <a:cs typeface="+mn-cs"/>
-              </a:rPr>
-              <a:t>Bernoulli = </a:t>
-            </a:r>
-            <a:r>
-              <a:rPr lang="en-US" sz="1200" b="0" i="0" u="none" strike="noStrike" kern="1200" baseline="0" dirty="0" err="1" smtClean="0">
-                <a:solidFill>
-                  <a:schemeClr val="tx1"/>
-                </a:solidFill>
-                <a:latin typeface="+mn-lt"/>
-                <a:ea typeface="+mn-ea"/>
-                <a:cs typeface="+mn-cs"/>
-              </a:rPr>
-              <a:t>BernoulliNB</a:t>
-            </a:r>
-            <a:r>
-              <a:rPr lang="en-US" sz="1200" b="0" i="0" u="none" strike="noStrike" kern="1200" baseline="0" dirty="0" smtClean="0">
-                <a:solidFill>
-                  <a:schemeClr val="tx1"/>
-                </a:solidFill>
-                <a:latin typeface="+mn-lt"/>
-                <a:ea typeface="+mn-ea"/>
-                <a:cs typeface="+mn-cs"/>
-              </a:rPr>
-              <a:t>(alpha=0.01)</a:t>
-            </a:r>
-          </a:p>
-          <a:p>
-            <a:r>
-              <a:rPr lang="en-US" sz="1200" b="0" i="0" u="none" strike="noStrike" kern="1200" baseline="0" dirty="0" smtClean="0">
-                <a:solidFill>
-                  <a:schemeClr val="tx1"/>
-                </a:solidFill>
-                <a:latin typeface="+mn-lt"/>
-                <a:ea typeface="+mn-ea"/>
-                <a:cs typeface="+mn-cs"/>
-              </a:rPr>
-              <a:t>Multinomial = </a:t>
-            </a:r>
-            <a:r>
-              <a:rPr lang="en-US" sz="1200" b="0" i="0" u="none" strike="noStrike" kern="1200" baseline="0" dirty="0" err="1" smtClean="0">
-                <a:solidFill>
-                  <a:schemeClr val="tx1"/>
-                </a:solidFill>
-                <a:latin typeface="+mn-lt"/>
-                <a:ea typeface="+mn-ea"/>
-                <a:cs typeface="+mn-cs"/>
-              </a:rPr>
-              <a:t>MultinomialNB</a:t>
-            </a:r>
-            <a:r>
-              <a:rPr lang="en-US" sz="1200" b="0" i="0" u="none" strike="noStrike" kern="1200" baseline="0" dirty="0" smtClean="0">
-                <a:solidFill>
-                  <a:schemeClr val="tx1"/>
-                </a:solidFill>
-                <a:latin typeface="+mn-lt"/>
-                <a:ea typeface="+mn-ea"/>
-                <a:cs typeface="+mn-cs"/>
-              </a:rPr>
-              <a:t>(alpha=0.01)</a:t>
-            </a:r>
-          </a:p>
-          <a:p>
-            <a:endParaRPr lang="en-US" sz="1200" b="0" i="0" u="none" strike="noStrike" kern="1200" baseline="0" dirty="0" smtClean="0">
-              <a:solidFill>
-                <a:schemeClr val="tx1"/>
-              </a:solidFill>
-              <a:latin typeface="+mn-lt"/>
-              <a:ea typeface="+mn-ea"/>
-              <a:cs typeface="+mn-cs"/>
-            </a:endParaRPr>
-          </a:p>
-          <a:p>
-            <a:r>
-              <a:rPr lang="en-US" sz="1200" b="0" i="0" u="none" strike="noStrike" kern="1200" baseline="0" dirty="0" smtClean="0">
-                <a:solidFill>
-                  <a:schemeClr val="tx1"/>
-                </a:solidFill>
-                <a:latin typeface="+mn-lt"/>
-                <a:ea typeface="+mn-ea"/>
-                <a:cs typeface="+mn-cs"/>
-              </a:rPr>
-              <a:t>import </a:t>
-            </a:r>
-            <a:r>
-              <a:rPr lang="en-US" sz="1200" b="0" i="0" u="none" strike="noStrike" kern="1200" baseline="0" dirty="0" err="1" smtClean="0">
-                <a:solidFill>
-                  <a:schemeClr val="tx1"/>
-                </a:solidFill>
-                <a:latin typeface="+mn-lt"/>
-                <a:ea typeface="+mn-ea"/>
-                <a:cs typeface="+mn-cs"/>
-              </a:rPr>
-              <a:t>sklearn.feature_extraction.text</a:t>
-            </a:r>
-            <a:r>
-              <a:rPr lang="en-US" sz="1200" b="0" i="0" u="none" strike="noStrike" kern="1200" baseline="0" dirty="0" smtClean="0">
-                <a:solidFill>
-                  <a:schemeClr val="tx1"/>
-                </a:solidFill>
-                <a:latin typeface="+mn-lt"/>
-                <a:ea typeface="+mn-ea"/>
-                <a:cs typeface="+mn-cs"/>
-              </a:rPr>
-              <a:t> as txt</a:t>
-            </a:r>
-          </a:p>
-          <a:p>
-            <a:r>
-              <a:rPr lang="en-US" sz="1200" b="0" i="0" u="none" strike="noStrike" kern="1200" baseline="0" dirty="0" err="1" smtClean="0">
-                <a:solidFill>
-                  <a:schemeClr val="tx1"/>
-                </a:solidFill>
-                <a:latin typeface="+mn-lt"/>
-                <a:ea typeface="+mn-ea"/>
-                <a:cs typeface="+mn-cs"/>
-              </a:rPr>
-              <a:t>multinomial_hashing_trick</a:t>
-            </a:r>
-            <a:r>
-              <a:rPr lang="en-US" sz="1200" b="0" i="0" u="none" strike="noStrike" kern="1200" baseline="0" dirty="0" smtClean="0">
-                <a:solidFill>
-                  <a:schemeClr val="tx1"/>
-                </a:solidFill>
-                <a:latin typeface="+mn-lt"/>
-                <a:ea typeface="+mn-ea"/>
-                <a:cs typeface="+mn-cs"/>
-              </a:rPr>
-              <a:t> = </a:t>
-            </a:r>
-            <a:r>
-              <a:rPr lang="en-US" sz="1200" b="0" i="0" u="none" strike="noStrike" kern="1200" baseline="0" dirty="0" err="1" smtClean="0">
-                <a:solidFill>
-                  <a:schemeClr val="tx1"/>
-                </a:solidFill>
-                <a:latin typeface="+mn-lt"/>
-                <a:ea typeface="+mn-ea"/>
-                <a:cs typeface="+mn-cs"/>
-              </a:rPr>
-              <a:t>txt.HashingVectorizer</a:t>
-            </a:r>
-            <a:r>
-              <a:rPr lang="en-US" sz="1200" b="0" i="0" u="none" strike="noStrike" kern="1200" baseline="0" dirty="0" smtClean="0">
-                <a:solidFill>
-                  <a:schemeClr val="tx1"/>
-                </a:solidFill>
-                <a:latin typeface="+mn-lt"/>
-                <a:ea typeface="+mn-ea"/>
-                <a:cs typeface="+mn-cs"/>
-              </a:rPr>
-              <a:t>(</a:t>
-            </a:r>
-          </a:p>
-          <a:p>
-            <a:r>
-              <a:rPr lang="en-US" sz="1200" b="0" i="0" u="none" strike="noStrike" kern="1200" baseline="0" dirty="0" err="1" smtClean="0">
-                <a:solidFill>
-                  <a:schemeClr val="tx1"/>
-                </a:solidFill>
-                <a:latin typeface="+mn-lt"/>
-                <a:ea typeface="+mn-ea"/>
-                <a:cs typeface="+mn-cs"/>
-              </a:rPr>
-              <a:t>stop_words</a:t>
-            </a:r>
-            <a:r>
-              <a:rPr lang="en-US" sz="1200" b="0" i="0" u="none" strike="noStrike" kern="1200" baseline="0" dirty="0" smtClean="0">
-                <a:solidFill>
-                  <a:schemeClr val="tx1"/>
-                </a:solidFill>
-                <a:latin typeface="+mn-lt"/>
-                <a:ea typeface="+mn-ea"/>
-                <a:cs typeface="+mn-cs"/>
-              </a:rPr>
-              <a:t>='</a:t>
-            </a:r>
-            <a:r>
-              <a:rPr lang="en-US" sz="1200" b="0" i="0" u="none" strike="noStrike" kern="1200" baseline="0" dirty="0" err="1" smtClean="0">
-                <a:solidFill>
-                  <a:schemeClr val="tx1"/>
-                </a:solidFill>
-                <a:latin typeface="+mn-lt"/>
-                <a:ea typeface="+mn-ea"/>
-                <a:cs typeface="+mn-cs"/>
-              </a:rPr>
-              <a:t>english</a:t>
-            </a:r>
-            <a:r>
-              <a:rPr lang="en-US" sz="1200" b="0" i="0" u="none" strike="noStrike" kern="1200" baseline="0" dirty="0" smtClean="0">
-                <a:solidFill>
-                  <a:schemeClr val="tx1"/>
-                </a:solidFill>
-                <a:latin typeface="+mn-lt"/>
-                <a:ea typeface="+mn-ea"/>
-                <a:cs typeface="+mn-cs"/>
-              </a:rPr>
-              <a:t>', binary=False, norm=None,</a:t>
-            </a:r>
-          </a:p>
-          <a:p>
-            <a:r>
-              <a:rPr lang="en-US" sz="1200" b="0" i="0" u="none" strike="noStrike" kern="1200" baseline="0" dirty="0" err="1" smtClean="0">
-                <a:solidFill>
-                  <a:schemeClr val="tx1"/>
-                </a:solidFill>
-                <a:latin typeface="+mn-lt"/>
-                <a:ea typeface="+mn-ea"/>
-                <a:cs typeface="+mn-cs"/>
-              </a:rPr>
-              <a:t>non_negative</a:t>
-            </a:r>
-            <a:r>
-              <a:rPr lang="en-US" sz="1200" b="0" i="0" u="none" strike="noStrike" kern="1200" baseline="0" dirty="0" smtClean="0">
-                <a:solidFill>
-                  <a:schemeClr val="tx1"/>
-                </a:solidFill>
-                <a:latin typeface="+mn-lt"/>
-                <a:ea typeface="+mn-ea"/>
-                <a:cs typeface="+mn-cs"/>
-              </a:rPr>
-              <a:t>=True)</a:t>
-            </a:r>
-          </a:p>
-          <a:p>
-            <a:r>
-              <a:rPr lang="en-US" sz="1200" b="0" i="0" u="none" strike="noStrike" kern="1200" baseline="0" dirty="0" err="1" smtClean="0">
-                <a:solidFill>
-                  <a:schemeClr val="tx1"/>
-                </a:solidFill>
-                <a:latin typeface="+mn-lt"/>
-                <a:ea typeface="+mn-ea"/>
-                <a:cs typeface="+mn-cs"/>
-              </a:rPr>
-              <a:t>binary_hashing_trick</a:t>
-            </a:r>
-            <a:r>
-              <a:rPr lang="en-US" sz="1200" b="0" i="0" u="none" strike="noStrike" kern="1200" baseline="0" dirty="0" smtClean="0">
-                <a:solidFill>
-                  <a:schemeClr val="tx1"/>
-                </a:solidFill>
-                <a:latin typeface="+mn-lt"/>
-                <a:ea typeface="+mn-ea"/>
-                <a:cs typeface="+mn-cs"/>
-              </a:rPr>
-              <a:t> = </a:t>
-            </a:r>
-            <a:r>
-              <a:rPr lang="en-US" sz="1200" b="0" i="0" u="none" strike="noStrike" kern="1200" baseline="0" dirty="0" err="1" smtClean="0">
-                <a:solidFill>
-                  <a:schemeClr val="tx1"/>
-                </a:solidFill>
-                <a:latin typeface="+mn-lt"/>
-                <a:ea typeface="+mn-ea"/>
-                <a:cs typeface="+mn-cs"/>
-              </a:rPr>
-              <a:t>txt.HashingVectorizer</a:t>
-            </a:r>
-            <a:r>
-              <a:rPr lang="en-US" sz="1200" b="0" i="0" u="none" strike="noStrike" kern="1200" baseline="0" dirty="0" smtClean="0">
-                <a:solidFill>
-                  <a:schemeClr val="tx1"/>
-                </a:solidFill>
-                <a:latin typeface="+mn-lt"/>
-                <a:ea typeface="+mn-ea"/>
-                <a:cs typeface="+mn-cs"/>
-              </a:rPr>
-              <a:t>(</a:t>
-            </a:r>
-          </a:p>
-          <a:p>
-            <a:r>
-              <a:rPr lang="en-US" sz="1200" b="0" i="0" u="none" strike="noStrike" kern="1200" baseline="0" dirty="0" err="1" smtClean="0">
-                <a:solidFill>
-                  <a:schemeClr val="tx1"/>
-                </a:solidFill>
-                <a:latin typeface="+mn-lt"/>
-                <a:ea typeface="+mn-ea"/>
-                <a:cs typeface="+mn-cs"/>
-              </a:rPr>
-              <a:t>stop_words</a:t>
-            </a:r>
-            <a:r>
-              <a:rPr lang="en-US" sz="1200" b="0" i="0" u="none" strike="noStrike" kern="1200" baseline="0" dirty="0" smtClean="0">
-                <a:solidFill>
-                  <a:schemeClr val="tx1"/>
-                </a:solidFill>
-                <a:latin typeface="+mn-lt"/>
-                <a:ea typeface="+mn-ea"/>
-                <a:cs typeface="+mn-cs"/>
-              </a:rPr>
-              <a:t>='</a:t>
-            </a:r>
-            <a:r>
-              <a:rPr lang="en-US" sz="1200" b="0" i="0" u="none" strike="noStrike" kern="1200" baseline="0" dirty="0" err="1" smtClean="0">
-                <a:solidFill>
-                  <a:schemeClr val="tx1"/>
-                </a:solidFill>
-                <a:latin typeface="+mn-lt"/>
-                <a:ea typeface="+mn-ea"/>
-                <a:cs typeface="+mn-cs"/>
-              </a:rPr>
-              <a:t>english</a:t>
-            </a:r>
-            <a:r>
-              <a:rPr lang="en-US" sz="1200" b="0" i="0" u="none" strike="noStrike" kern="1200" baseline="0" dirty="0" smtClean="0">
-                <a:solidFill>
-                  <a:schemeClr val="tx1"/>
-                </a:solidFill>
-                <a:latin typeface="+mn-lt"/>
-                <a:ea typeface="+mn-ea"/>
-                <a:cs typeface="+mn-cs"/>
-              </a:rPr>
-              <a:t>', binary=True, norm=None,</a:t>
-            </a:r>
-          </a:p>
-          <a:p>
-            <a:r>
-              <a:rPr lang="en-US" sz="1200" b="0" i="0" u="none" strike="noStrike" kern="1200" baseline="0" dirty="0" err="1" smtClean="0">
-                <a:solidFill>
-                  <a:schemeClr val="tx1"/>
-                </a:solidFill>
-                <a:latin typeface="+mn-lt"/>
-                <a:ea typeface="+mn-ea"/>
-                <a:cs typeface="+mn-cs"/>
-              </a:rPr>
-              <a:t>non_negative</a:t>
-            </a:r>
-            <a:r>
-              <a:rPr lang="en-US" sz="1200" b="0" i="0" u="none" strike="noStrike" kern="1200" baseline="0" dirty="0" smtClean="0">
-                <a:solidFill>
-                  <a:schemeClr val="tx1"/>
-                </a:solidFill>
-                <a:latin typeface="+mn-lt"/>
-                <a:ea typeface="+mn-ea"/>
-                <a:cs typeface="+mn-cs"/>
-              </a:rPr>
-              <a:t>=True)</a:t>
-            </a:r>
-          </a:p>
-          <a:p>
-            <a:endParaRPr lang="en-US" sz="1200" b="0" i="0" u="none" strike="noStrike" kern="1200" baseline="0" dirty="0" smtClean="0">
-              <a:solidFill>
-                <a:schemeClr val="tx1"/>
-              </a:solidFill>
-              <a:latin typeface="+mn-lt"/>
-              <a:ea typeface="+mn-ea"/>
-              <a:cs typeface="+mn-cs"/>
-            </a:endParaRPr>
-          </a:p>
-          <a:p>
-            <a:r>
-              <a:rPr lang="en-US" sz="1200" b="0" i="0" u="none" strike="noStrike" kern="1200" baseline="0" dirty="0" err="1" smtClean="0">
-                <a:solidFill>
-                  <a:schemeClr val="tx1"/>
-                </a:solidFill>
-                <a:latin typeface="+mn-lt"/>
-                <a:ea typeface="+mn-ea"/>
-                <a:cs typeface="+mn-cs"/>
-              </a:rPr>
-              <a:t>Multinomial.fit</a:t>
-            </a:r>
-            <a:r>
-              <a:rPr lang="en-US" sz="1200" b="0" i="0" u="none" strike="noStrike" kern="1200" baseline="0" dirty="0" smtClean="0">
-                <a:solidFill>
-                  <a:schemeClr val="tx1"/>
-                </a:solidFill>
-                <a:latin typeface="+mn-lt"/>
-                <a:ea typeface="+mn-ea"/>
-                <a:cs typeface="+mn-cs"/>
-              </a:rPr>
-              <a:t>(</a:t>
-            </a:r>
-            <a:r>
-              <a:rPr lang="en-US" sz="1200" b="0" i="0" u="none" strike="noStrike" kern="1200" baseline="0" dirty="0" err="1" smtClean="0">
-                <a:solidFill>
-                  <a:schemeClr val="tx1"/>
-                </a:solidFill>
-                <a:latin typeface="+mn-lt"/>
-                <a:ea typeface="+mn-ea"/>
-                <a:cs typeface="+mn-cs"/>
-              </a:rPr>
-              <a:t>multinomial_hashing_trick.transform</a:t>
-            </a:r>
-            <a:r>
-              <a:rPr lang="en-US" sz="1200" b="0" i="0" u="none" strike="noStrike" kern="1200" baseline="0" dirty="0" smtClean="0">
-                <a:solidFill>
-                  <a:schemeClr val="tx1"/>
-                </a:solidFill>
-                <a:latin typeface="+mn-lt"/>
-                <a:ea typeface="+mn-ea"/>
-                <a:cs typeface="+mn-cs"/>
-              </a:rPr>
-              <a:t>(</a:t>
-            </a:r>
-          </a:p>
-          <a:p>
-            <a:r>
-              <a:rPr lang="en-US" sz="1200" b="0" i="0" u="none" strike="noStrike" kern="1200" baseline="0" dirty="0" err="1" smtClean="0">
-                <a:solidFill>
-                  <a:schemeClr val="tx1"/>
-                </a:solidFill>
-                <a:latin typeface="+mn-lt"/>
-                <a:ea typeface="+mn-ea"/>
-                <a:cs typeface="+mn-cs"/>
-              </a:rPr>
-              <a:t>newsgroups_train.data</a:t>
-            </a:r>
-            <a:r>
-              <a:rPr lang="en-US" sz="1200" b="0" i="0" u="none" strike="noStrike" kern="1200" baseline="0" dirty="0" smtClean="0">
-                <a:solidFill>
-                  <a:schemeClr val="tx1"/>
-                </a:solidFill>
-                <a:latin typeface="+mn-lt"/>
-                <a:ea typeface="+mn-ea"/>
-                <a:cs typeface="+mn-cs"/>
-              </a:rPr>
-              <a:t>), </a:t>
-            </a:r>
-            <a:r>
-              <a:rPr lang="en-US" sz="1200" b="0" i="0" u="none" strike="noStrike" kern="1200" baseline="0" dirty="0" err="1" smtClean="0">
-                <a:solidFill>
-                  <a:schemeClr val="tx1"/>
-                </a:solidFill>
-                <a:latin typeface="+mn-lt"/>
-                <a:ea typeface="+mn-ea"/>
-                <a:cs typeface="+mn-cs"/>
-              </a:rPr>
-              <a:t>newsgroups_train.target</a:t>
-            </a:r>
-            <a:r>
-              <a:rPr lang="en-US" sz="1200" b="0" i="0" u="none" strike="noStrike" kern="1200" baseline="0" dirty="0" smtClean="0">
-                <a:solidFill>
-                  <a:schemeClr val="tx1"/>
-                </a:solidFill>
-                <a:latin typeface="+mn-lt"/>
-                <a:ea typeface="+mn-ea"/>
-                <a:cs typeface="+mn-cs"/>
-              </a:rPr>
-              <a:t>)</a:t>
-            </a:r>
-          </a:p>
-          <a:p>
-            <a:r>
-              <a:rPr lang="en-US" sz="1200" b="0" i="0" u="none" strike="noStrike" kern="1200" baseline="0" dirty="0" err="1" smtClean="0">
-                <a:solidFill>
-                  <a:schemeClr val="tx1"/>
-                </a:solidFill>
-                <a:latin typeface="+mn-lt"/>
-                <a:ea typeface="+mn-ea"/>
-                <a:cs typeface="+mn-cs"/>
-              </a:rPr>
-              <a:t>Bernoulli.fit</a:t>
-            </a:r>
-            <a:r>
-              <a:rPr lang="en-US" sz="1200" b="0" i="0" u="none" strike="noStrike" kern="1200" baseline="0" dirty="0" smtClean="0">
-                <a:solidFill>
-                  <a:schemeClr val="tx1"/>
-                </a:solidFill>
-                <a:latin typeface="+mn-lt"/>
-                <a:ea typeface="+mn-ea"/>
-                <a:cs typeface="+mn-cs"/>
-              </a:rPr>
-              <a:t>(</a:t>
-            </a:r>
-            <a:r>
-              <a:rPr lang="en-US" sz="1200" b="0" i="0" u="none" strike="noStrike" kern="1200" baseline="0" dirty="0" err="1" smtClean="0">
-                <a:solidFill>
-                  <a:schemeClr val="tx1"/>
-                </a:solidFill>
-                <a:latin typeface="+mn-lt"/>
-                <a:ea typeface="+mn-ea"/>
-                <a:cs typeface="+mn-cs"/>
-              </a:rPr>
-              <a:t>binary_hashing_trick.transform</a:t>
-            </a:r>
-            <a:r>
-              <a:rPr lang="en-US" sz="1200" b="0" i="0" u="none" strike="noStrike" kern="1200" baseline="0" dirty="0" smtClean="0">
-                <a:solidFill>
-                  <a:schemeClr val="tx1"/>
-                </a:solidFill>
-                <a:latin typeface="+mn-lt"/>
-                <a:ea typeface="+mn-ea"/>
-                <a:cs typeface="+mn-cs"/>
-              </a:rPr>
-              <a:t>(</a:t>
-            </a:r>
-          </a:p>
-          <a:p>
-            <a:r>
-              <a:rPr lang="en-US" sz="1200" b="0" i="0" u="none" strike="noStrike" kern="1200" baseline="0" dirty="0" err="1" smtClean="0">
-                <a:solidFill>
-                  <a:schemeClr val="tx1"/>
-                </a:solidFill>
-                <a:latin typeface="+mn-lt"/>
-                <a:ea typeface="+mn-ea"/>
-                <a:cs typeface="+mn-cs"/>
-              </a:rPr>
-              <a:t>newsgroups_train.data</a:t>
-            </a:r>
-            <a:r>
-              <a:rPr lang="en-US" sz="1200" b="0" i="0" u="none" strike="noStrike" kern="1200" baseline="0" dirty="0" smtClean="0">
-                <a:solidFill>
-                  <a:schemeClr val="tx1"/>
-                </a:solidFill>
-                <a:latin typeface="+mn-lt"/>
-                <a:ea typeface="+mn-ea"/>
-                <a:cs typeface="+mn-cs"/>
-              </a:rPr>
-              <a:t>), </a:t>
-            </a:r>
-            <a:r>
-              <a:rPr lang="en-US" sz="1200" b="0" i="0" u="none" strike="noStrike" kern="1200" baseline="0" dirty="0" err="1" smtClean="0">
-                <a:solidFill>
-                  <a:schemeClr val="tx1"/>
-                </a:solidFill>
-                <a:latin typeface="+mn-lt"/>
-                <a:ea typeface="+mn-ea"/>
-                <a:cs typeface="+mn-cs"/>
-              </a:rPr>
-              <a:t>newsgroups_train.target</a:t>
-            </a:r>
-            <a:r>
-              <a:rPr lang="en-US" sz="1200" b="0" i="0" u="none" strike="noStrike" kern="1200" baseline="0" dirty="0" smtClean="0">
-                <a:solidFill>
-                  <a:schemeClr val="tx1"/>
-                </a:solidFill>
-                <a:latin typeface="+mn-lt"/>
-                <a:ea typeface="+mn-ea"/>
-                <a:cs typeface="+mn-cs"/>
-              </a:rPr>
-              <a:t>)</a:t>
-            </a:r>
-          </a:p>
-          <a:p>
-            <a:r>
-              <a:rPr lang="en-US" sz="1200" b="0" i="0" u="none" strike="noStrike" kern="1200" baseline="0" dirty="0" smtClean="0">
-                <a:solidFill>
-                  <a:schemeClr val="tx1"/>
-                </a:solidFill>
-                <a:latin typeface="+mn-lt"/>
-                <a:ea typeface="+mn-ea"/>
-                <a:cs typeface="+mn-cs"/>
-              </a:rPr>
-              <a:t>from </a:t>
-            </a:r>
-            <a:r>
-              <a:rPr lang="en-US" sz="1200" b="0" i="0" u="none" strike="noStrike" kern="1200" baseline="0" dirty="0" err="1" smtClean="0">
-                <a:solidFill>
-                  <a:schemeClr val="tx1"/>
-                </a:solidFill>
-                <a:latin typeface="+mn-lt"/>
-                <a:ea typeface="+mn-ea"/>
-                <a:cs typeface="+mn-cs"/>
-              </a:rPr>
-              <a:t>sklearn.metrics</a:t>
-            </a:r>
-            <a:r>
-              <a:rPr lang="en-US" sz="1200" b="0" i="0" u="none" strike="noStrike" kern="1200" baseline="0" dirty="0" smtClean="0">
-                <a:solidFill>
-                  <a:schemeClr val="tx1"/>
-                </a:solidFill>
-                <a:latin typeface="+mn-lt"/>
-                <a:ea typeface="+mn-ea"/>
-                <a:cs typeface="+mn-cs"/>
-              </a:rPr>
-              <a:t> import </a:t>
-            </a:r>
-            <a:r>
-              <a:rPr lang="en-US" sz="1200" b="0" i="0" u="none" strike="noStrike" kern="1200" baseline="0" dirty="0" err="1" smtClean="0">
-                <a:solidFill>
-                  <a:schemeClr val="tx1"/>
-                </a:solidFill>
-                <a:latin typeface="+mn-lt"/>
-                <a:ea typeface="+mn-ea"/>
-                <a:cs typeface="+mn-cs"/>
-              </a:rPr>
-              <a:t>accuracy_score</a:t>
-            </a:r>
-            <a:endParaRPr lang="en-US" sz="1200" b="0" i="0" u="none" strike="noStrike" kern="1200" baseline="0" dirty="0" smtClean="0">
-              <a:solidFill>
-                <a:schemeClr val="tx1"/>
-              </a:solidFill>
-              <a:latin typeface="+mn-lt"/>
-              <a:ea typeface="+mn-ea"/>
-              <a:cs typeface="+mn-cs"/>
-            </a:endParaRPr>
-          </a:p>
-          <a:p>
-            <a:r>
-              <a:rPr lang="en-US" sz="1200" b="0" i="0" u="none" strike="noStrike" kern="1200" baseline="0" dirty="0" smtClean="0">
-                <a:solidFill>
-                  <a:schemeClr val="tx1"/>
-                </a:solidFill>
-                <a:latin typeface="+mn-lt"/>
-                <a:ea typeface="+mn-ea"/>
-                <a:cs typeface="+mn-cs"/>
-              </a:rPr>
-              <a:t>for m, h in [(Bernoulli, </a:t>
-            </a:r>
-            <a:r>
-              <a:rPr lang="en-US" sz="1200" b="0" i="0" u="none" strike="noStrike" kern="1200" baseline="0" dirty="0" err="1" smtClean="0">
-                <a:solidFill>
-                  <a:schemeClr val="tx1"/>
-                </a:solidFill>
-                <a:latin typeface="+mn-lt"/>
-                <a:ea typeface="+mn-ea"/>
-                <a:cs typeface="+mn-cs"/>
-              </a:rPr>
-              <a:t>binary_hashing_trick</a:t>
-            </a:r>
-            <a:r>
-              <a:rPr lang="en-US" sz="1200" b="0" i="0" u="none" strike="noStrike" kern="1200" baseline="0" dirty="0" smtClean="0">
-                <a:solidFill>
-                  <a:schemeClr val="tx1"/>
-                </a:solidFill>
-                <a:latin typeface="+mn-lt"/>
-                <a:ea typeface="+mn-ea"/>
-                <a:cs typeface="+mn-cs"/>
-              </a:rPr>
-              <a:t>),</a:t>
-            </a:r>
-          </a:p>
-          <a:p>
-            <a:r>
-              <a:rPr lang="en-US" sz="1200" b="0" i="0" u="none" strike="noStrike" kern="1200" baseline="0" dirty="0" smtClean="0">
-                <a:solidFill>
-                  <a:schemeClr val="tx1"/>
-                </a:solidFill>
-                <a:latin typeface="+mn-lt"/>
-                <a:ea typeface="+mn-ea"/>
-                <a:cs typeface="+mn-cs"/>
-              </a:rPr>
-              <a:t>(Multinomial, </a:t>
-            </a:r>
-            <a:r>
-              <a:rPr lang="en-US" sz="1200" b="0" i="0" u="none" strike="noStrike" kern="1200" baseline="0" dirty="0" err="1" smtClean="0">
-                <a:solidFill>
-                  <a:schemeClr val="tx1"/>
-                </a:solidFill>
-                <a:latin typeface="+mn-lt"/>
-                <a:ea typeface="+mn-ea"/>
-                <a:cs typeface="+mn-cs"/>
-              </a:rPr>
-              <a:t>multinomial_hashing_trick</a:t>
-            </a:r>
-            <a:r>
-              <a:rPr lang="en-US" sz="1200" b="0" i="0" u="none" strike="noStrike" kern="1200" baseline="0" dirty="0" smtClean="0">
-                <a:solidFill>
-                  <a:schemeClr val="tx1"/>
-                </a:solidFill>
-                <a:latin typeface="+mn-lt"/>
-                <a:ea typeface="+mn-ea"/>
-                <a:cs typeface="+mn-cs"/>
-              </a:rPr>
-              <a:t>)]:</a:t>
-            </a:r>
-          </a:p>
-          <a:p>
-            <a:r>
-              <a:rPr lang="en-US" sz="1200" b="0" i="0" u="none" strike="noStrike" kern="1200" baseline="0" dirty="0" smtClean="0">
-                <a:solidFill>
-                  <a:schemeClr val="tx1"/>
-                </a:solidFill>
-                <a:latin typeface="+mn-lt"/>
-                <a:ea typeface="+mn-ea"/>
-                <a:cs typeface="+mn-cs"/>
-              </a:rPr>
-              <a:t>print 'Accuracy for %s: %.3f' % (m,</a:t>
-            </a:r>
-          </a:p>
-          <a:p>
-            <a:r>
-              <a:rPr lang="en-US" sz="1200" b="0" i="0" u="none" strike="noStrike" kern="1200" baseline="0" dirty="0" err="1" smtClean="0">
-                <a:solidFill>
-                  <a:schemeClr val="tx1"/>
-                </a:solidFill>
-                <a:latin typeface="+mn-lt"/>
-                <a:ea typeface="+mn-ea"/>
-                <a:cs typeface="+mn-cs"/>
-              </a:rPr>
-              <a:t>accuracy_score</a:t>
-            </a:r>
-            <a:r>
-              <a:rPr lang="en-US" sz="1200" b="0" i="0" u="none" strike="noStrike" kern="1200" baseline="0" dirty="0" smtClean="0">
-                <a:solidFill>
-                  <a:schemeClr val="tx1"/>
-                </a:solidFill>
-                <a:latin typeface="+mn-lt"/>
-                <a:ea typeface="+mn-ea"/>
-                <a:cs typeface="+mn-cs"/>
-              </a:rPr>
-              <a:t>(</a:t>
-            </a:r>
-            <a:r>
-              <a:rPr lang="en-US" sz="1200" b="0" i="0" u="none" strike="noStrike" kern="1200" baseline="0" dirty="0" err="1" smtClean="0">
-                <a:solidFill>
-                  <a:schemeClr val="tx1"/>
-                </a:solidFill>
-                <a:latin typeface="+mn-lt"/>
-                <a:ea typeface="+mn-ea"/>
-                <a:cs typeface="+mn-cs"/>
-              </a:rPr>
-              <a:t>y_true</a:t>
-            </a:r>
-            <a:r>
-              <a:rPr lang="en-US" sz="1200" b="0" i="0" u="none" strike="noStrike" kern="1200" baseline="0" dirty="0" smtClean="0">
-                <a:solidFill>
-                  <a:schemeClr val="tx1"/>
-                </a:solidFill>
-                <a:latin typeface="+mn-lt"/>
-                <a:ea typeface="+mn-ea"/>
-                <a:cs typeface="+mn-cs"/>
-              </a:rPr>
-              <a:t>=</a:t>
-            </a:r>
-            <a:r>
-              <a:rPr lang="en-US" sz="1200" b="0" i="0" u="none" strike="noStrike" kern="1200" baseline="0" dirty="0" err="1" smtClean="0">
-                <a:solidFill>
-                  <a:schemeClr val="tx1"/>
-                </a:solidFill>
-                <a:latin typeface="+mn-lt"/>
-                <a:ea typeface="+mn-ea"/>
-                <a:cs typeface="+mn-cs"/>
-              </a:rPr>
-              <a:t>newsgroups_test.target</a:t>
-            </a:r>
-            <a:r>
-              <a:rPr lang="en-US" sz="1200" b="0" i="0" u="none" strike="noStrike" kern="1200" baseline="0" dirty="0" smtClean="0">
-                <a:solidFill>
-                  <a:schemeClr val="tx1"/>
-                </a:solidFill>
-                <a:latin typeface="+mn-lt"/>
-                <a:ea typeface="+mn-ea"/>
-                <a:cs typeface="+mn-cs"/>
-              </a:rPr>
-              <a:t>,</a:t>
-            </a:r>
-          </a:p>
-          <a:p>
-            <a:r>
-              <a:rPr lang="en-US" sz="1200" b="0" i="0" u="none" strike="noStrike" kern="1200" baseline="0" dirty="0" err="1" smtClean="0">
-                <a:solidFill>
-                  <a:schemeClr val="tx1"/>
-                </a:solidFill>
-                <a:latin typeface="+mn-lt"/>
-                <a:ea typeface="+mn-ea"/>
-                <a:cs typeface="+mn-cs"/>
-              </a:rPr>
-              <a:t>y_pred</a:t>
-            </a:r>
-            <a:r>
-              <a:rPr lang="en-US" sz="1200" b="0" i="0" u="none" strike="noStrike" kern="1200" baseline="0" dirty="0" smtClean="0">
-                <a:solidFill>
-                  <a:schemeClr val="tx1"/>
-                </a:solidFill>
-                <a:latin typeface="+mn-lt"/>
-                <a:ea typeface="+mn-ea"/>
-                <a:cs typeface="+mn-cs"/>
-              </a:rPr>
-              <a:t>=</a:t>
-            </a:r>
-            <a:r>
-              <a:rPr lang="en-US" sz="1200" b="0" i="0" u="none" strike="noStrike" kern="1200" baseline="0" dirty="0" err="1" smtClean="0">
-                <a:solidFill>
-                  <a:schemeClr val="tx1"/>
-                </a:solidFill>
-                <a:latin typeface="+mn-lt"/>
-                <a:ea typeface="+mn-ea"/>
-                <a:cs typeface="+mn-cs"/>
-              </a:rPr>
-              <a:t>m.predict</a:t>
-            </a:r>
-            <a:r>
-              <a:rPr lang="en-US" sz="1200" b="0" i="0" u="none" strike="noStrike" kern="1200" baseline="0" dirty="0" smtClean="0">
-                <a:solidFill>
-                  <a:schemeClr val="tx1"/>
-                </a:solidFill>
-                <a:latin typeface="+mn-lt"/>
-                <a:ea typeface="+mn-ea"/>
-                <a:cs typeface="+mn-cs"/>
-              </a:rPr>
-              <a:t>(</a:t>
-            </a:r>
-            <a:r>
-              <a:rPr lang="en-US" sz="1200" b="0" i="0" u="none" strike="noStrike" kern="1200" baseline="0" dirty="0" err="1" smtClean="0">
-                <a:solidFill>
-                  <a:schemeClr val="tx1"/>
-                </a:solidFill>
-                <a:latin typeface="+mn-lt"/>
-                <a:ea typeface="+mn-ea"/>
-                <a:cs typeface="+mn-cs"/>
-              </a:rPr>
-              <a:t>h.transform</a:t>
-            </a:r>
-            <a:r>
-              <a:rPr lang="en-US" sz="1200" b="0" i="0" u="none" strike="noStrike" kern="1200" baseline="0" dirty="0" smtClean="0">
-                <a:solidFill>
-                  <a:schemeClr val="tx1"/>
-                </a:solidFill>
-                <a:latin typeface="+mn-lt"/>
-                <a:ea typeface="+mn-ea"/>
-                <a:cs typeface="+mn-cs"/>
-              </a:rPr>
-              <a:t>(</a:t>
-            </a:r>
-          </a:p>
-          <a:p>
-            <a:r>
-              <a:rPr lang="en-US" sz="1200" b="0" i="0" u="none" strike="noStrike" kern="1200" baseline="0" dirty="0" err="1" smtClean="0">
-                <a:solidFill>
-                  <a:schemeClr val="tx1"/>
-                </a:solidFill>
-                <a:latin typeface="+mn-lt"/>
-                <a:ea typeface="+mn-ea"/>
-                <a:cs typeface="+mn-cs"/>
-              </a:rPr>
-              <a:t>newsgroups_test.data</a:t>
-            </a:r>
-            <a:r>
-              <a:rPr lang="en-US" sz="1200" b="0" i="0" u="none" strike="noStrike" kern="1200" baseline="0" dirty="0" smtClean="0">
-                <a:solidFill>
-                  <a:schemeClr val="tx1"/>
-                </a:solidFill>
-                <a:latin typeface="+mn-lt"/>
-                <a:ea typeface="+mn-ea"/>
-                <a:cs typeface="+mn-cs"/>
-              </a:rPr>
-              <a:t>))))</a:t>
-            </a:r>
-          </a:p>
-          <a:p>
-            <a:r>
-              <a:rPr lang="en-US" sz="1200" b="0" i="0" u="none" strike="noStrike" kern="1200" baseline="0" dirty="0" smtClean="0">
-                <a:solidFill>
-                  <a:schemeClr val="tx1"/>
-                </a:solidFill>
-                <a:latin typeface="+mn-lt"/>
-                <a:ea typeface="+mn-ea"/>
-                <a:cs typeface="+mn-cs"/>
-              </a:rPr>
-              <a:t>Accuracy for </a:t>
-            </a:r>
-            <a:r>
-              <a:rPr lang="en-US" sz="1200" b="0" i="0" u="none" strike="noStrike" kern="1200" baseline="0" dirty="0" err="1" smtClean="0">
-                <a:solidFill>
-                  <a:schemeClr val="tx1"/>
-                </a:solidFill>
-                <a:latin typeface="+mn-lt"/>
-                <a:ea typeface="+mn-ea"/>
-                <a:cs typeface="+mn-cs"/>
-              </a:rPr>
-              <a:t>BernoulliNB</a:t>
-            </a:r>
-            <a:r>
-              <a:rPr lang="en-US" sz="1200" b="0" i="0" u="none" strike="noStrike" kern="1200" baseline="0" dirty="0" smtClean="0">
-                <a:solidFill>
-                  <a:schemeClr val="tx1"/>
-                </a:solidFill>
-                <a:latin typeface="+mn-lt"/>
-                <a:ea typeface="+mn-ea"/>
-                <a:cs typeface="+mn-cs"/>
-              </a:rPr>
-              <a:t>(alpha=0.01, </a:t>
-            </a:r>
-            <a:r>
-              <a:rPr lang="en-US" sz="1200" b="0" i="0" u="none" strike="noStrike" kern="1200" baseline="0" dirty="0" err="1" smtClean="0">
-                <a:solidFill>
-                  <a:schemeClr val="tx1"/>
-                </a:solidFill>
-                <a:latin typeface="+mn-lt"/>
-                <a:ea typeface="+mn-ea"/>
-                <a:cs typeface="+mn-cs"/>
-              </a:rPr>
-              <a:t>binarize</a:t>
-            </a:r>
-            <a:r>
-              <a:rPr lang="en-US" sz="1200" b="0" i="0" u="none" strike="noStrike" kern="1200" baseline="0" dirty="0" smtClean="0">
-                <a:solidFill>
-                  <a:schemeClr val="tx1"/>
-                </a:solidFill>
-                <a:latin typeface="+mn-lt"/>
-                <a:ea typeface="+mn-ea"/>
-                <a:cs typeface="+mn-cs"/>
-              </a:rPr>
-              <a:t>=0.0,</a:t>
-            </a:r>
-          </a:p>
-          <a:p>
-            <a:r>
-              <a:rPr lang="en-US" sz="1200" b="0" i="0" u="none" strike="noStrike" kern="1200" baseline="0" dirty="0" err="1" smtClean="0">
-                <a:solidFill>
-                  <a:schemeClr val="tx1"/>
-                </a:solidFill>
-                <a:latin typeface="+mn-lt"/>
-                <a:ea typeface="+mn-ea"/>
-                <a:cs typeface="+mn-cs"/>
-              </a:rPr>
-              <a:t>class_prior</a:t>
-            </a:r>
-            <a:r>
-              <a:rPr lang="en-US" sz="1200" b="0" i="0" u="none" strike="noStrike" kern="1200" baseline="0" dirty="0" smtClean="0">
-                <a:solidFill>
-                  <a:schemeClr val="tx1"/>
-                </a:solidFill>
-                <a:latin typeface="+mn-lt"/>
-                <a:ea typeface="+mn-ea"/>
-                <a:cs typeface="+mn-cs"/>
-              </a:rPr>
-              <a:t>=None, </a:t>
-            </a:r>
-            <a:r>
-              <a:rPr lang="en-US" sz="1200" b="0" i="0" u="none" strike="noStrike" kern="1200" baseline="0" dirty="0" err="1" smtClean="0">
-                <a:solidFill>
-                  <a:schemeClr val="tx1"/>
-                </a:solidFill>
-                <a:latin typeface="+mn-lt"/>
-                <a:ea typeface="+mn-ea"/>
-                <a:cs typeface="+mn-cs"/>
-              </a:rPr>
-              <a:t>fit_prior</a:t>
-            </a:r>
-            <a:r>
-              <a:rPr lang="en-US" sz="1200" b="0" i="0" u="none" strike="noStrike" kern="1200" baseline="0" dirty="0" smtClean="0">
-                <a:solidFill>
-                  <a:schemeClr val="tx1"/>
-                </a:solidFill>
-                <a:latin typeface="+mn-lt"/>
-                <a:ea typeface="+mn-ea"/>
-                <a:cs typeface="+mn-cs"/>
-              </a:rPr>
-              <a:t>=True): 0.570</a:t>
-            </a:r>
-          </a:p>
-          <a:p>
-            <a:r>
-              <a:rPr lang="en-US" sz="1200" b="0" i="0" u="none" strike="noStrike" kern="1200" baseline="0" dirty="0" smtClean="0">
-                <a:solidFill>
-                  <a:schemeClr val="tx1"/>
-                </a:solidFill>
-                <a:latin typeface="+mn-lt"/>
-                <a:ea typeface="+mn-ea"/>
-                <a:cs typeface="+mn-cs"/>
-              </a:rPr>
-              <a:t>Accuracy for </a:t>
-            </a:r>
-            <a:r>
-              <a:rPr lang="en-US" sz="1200" b="0" i="0" u="none" strike="noStrike" kern="1200" baseline="0" dirty="0" err="1" smtClean="0">
-                <a:solidFill>
-                  <a:schemeClr val="tx1"/>
-                </a:solidFill>
-                <a:latin typeface="+mn-lt"/>
-                <a:ea typeface="+mn-ea"/>
-                <a:cs typeface="+mn-cs"/>
-              </a:rPr>
-              <a:t>MultinomialNB</a:t>
-            </a:r>
-            <a:r>
-              <a:rPr lang="en-US" sz="1200" b="0" i="0" u="none" strike="noStrike" kern="1200" baseline="0" dirty="0" smtClean="0">
-                <a:solidFill>
-                  <a:schemeClr val="tx1"/>
-                </a:solidFill>
-                <a:latin typeface="+mn-lt"/>
-                <a:ea typeface="+mn-ea"/>
-                <a:cs typeface="+mn-cs"/>
-              </a:rPr>
-              <a:t>(alpha=0.01, </a:t>
-            </a:r>
-            <a:r>
-              <a:rPr lang="en-US" sz="1200" b="0" i="0" u="none" strike="noStrike" kern="1200" baseline="0" dirty="0" err="1" smtClean="0">
-                <a:solidFill>
-                  <a:schemeClr val="tx1"/>
-                </a:solidFill>
-                <a:latin typeface="+mn-lt"/>
-                <a:ea typeface="+mn-ea"/>
-                <a:cs typeface="+mn-cs"/>
-              </a:rPr>
-              <a:t>class_prior</a:t>
-            </a:r>
-            <a:r>
-              <a:rPr lang="en-US" sz="1200" b="0" i="0" u="none" strike="noStrike" kern="1200" baseline="0" dirty="0" smtClean="0">
-                <a:solidFill>
-                  <a:schemeClr val="tx1"/>
-                </a:solidFill>
-                <a:latin typeface="+mn-lt"/>
-                <a:ea typeface="+mn-ea"/>
-                <a:cs typeface="+mn-cs"/>
-              </a:rPr>
-              <a:t>=None,</a:t>
-            </a:r>
-          </a:p>
-          <a:p>
-            <a:r>
-              <a:rPr lang="en-US" sz="1200" b="0" i="0" u="none" strike="noStrike" kern="1200" baseline="0" dirty="0" err="1" smtClean="0">
-                <a:solidFill>
-                  <a:schemeClr val="tx1"/>
-                </a:solidFill>
-                <a:latin typeface="+mn-lt"/>
-                <a:ea typeface="+mn-ea"/>
-                <a:cs typeface="+mn-cs"/>
-              </a:rPr>
-              <a:t>fit_prior</a:t>
-            </a:r>
-            <a:r>
-              <a:rPr lang="en-US" sz="1200" b="0" i="0" u="none" strike="noStrike" kern="1200" baseline="0" dirty="0" smtClean="0">
-                <a:solidFill>
-                  <a:schemeClr val="tx1"/>
-                </a:solidFill>
-                <a:latin typeface="+mn-lt"/>
-                <a:ea typeface="+mn-ea"/>
-                <a:cs typeface="+mn-cs"/>
-              </a:rPr>
-              <a:t>=True): 0.651</a:t>
-            </a:r>
-          </a:p>
-          <a:p>
-            <a:endParaRPr lang="en-US" sz="1200" b="0" i="0" u="none" strike="noStrike" kern="1200" baseline="0" dirty="0" smtClean="0">
-              <a:solidFill>
-                <a:schemeClr val="tx1"/>
-              </a:solidFill>
-              <a:latin typeface="+mn-lt"/>
-              <a:ea typeface="+mn-ea"/>
-              <a:cs typeface="+mn-cs"/>
-            </a:endParaRPr>
-          </a:p>
-          <a:p>
-            <a:r>
-              <a:rPr lang="en-US" sz="1200" b="0" i="0" u="none" strike="noStrike" kern="1200" baseline="0" dirty="0" smtClean="0">
-                <a:solidFill>
-                  <a:schemeClr val="tx1"/>
-                </a:solidFill>
-                <a:latin typeface="+mn-lt"/>
-                <a:ea typeface="+mn-ea"/>
-                <a:cs typeface="+mn-cs"/>
-              </a:rPr>
-              <a:t>print 'number of posts in training: %</a:t>
-            </a:r>
-            <a:r>
-              <a:rPr lang="en-US" sz="1200" b="0" i="0" u="none" strike="noStrike" kern="1200" baseline="0" dirty="0" err="1" smtClean="0">
-                <a:solidFill>
-                  <a:schemeClr val="tx1"/>
-                </a:solidFill>
-                <a:latin typeface="+mn-lt"/>
-                <a:ea typeface="+mn-ea"/>
-                <a:cs typeface="+mn-cs"/>
-              </a:rPr>
-              <a:t>i</a:t>
-            </a:r>
-            <a:r>
-              <a:rPr lang="en-US" sz="1200" b="0" i="0" u="none" strike="noStrike" kern="1200" baseline="0" dirty="0" smtClean="0">
-                <a:solidFill>
-                  <a:schemeClr val="tx1"/>
-                </a:solidFill>
-                <a:latin typeface="+mn-lt"/>
-                <a:ea typeface="+mn-ea"/>
-                <a:cs typeface="+mn-cs"/>
-              </a:rPr>
-              <a:t>' % </a:t>
-            </a:r>
-            <a:r>
-              <a:rPr lang="en-US" sz="1200" b="0" i="0" u="none" strike="noStrike" kern="1200" baseline="0" dirty="0" err="1" smtClean="0">
-                <a:solidFill>
-                  <a:schemeClr val="tx1"/>
-                </a:solidFill>
-                <a:latin typeface="+mn-lt"/>
-                <a:ea typeface="+mn-ea"/>
-                <a:cs typeface="+mn-cs"/>
-              </a:rPr>
-              <a:t>len</a:t>
-            </a:r>
-            <a:r>
-              <a:rPr lang="en-US" sz="1200" b="0" i="0" u="none" strike="noStrike" kern="1200" baseline="0" dirty="0" smtClean="0">
-                <a:solidFill>
-                  <a:schemeClr val="tx1"/>
-                </a:solidFill>
-                <a:latin typeface="+mn-lt"/>
-                <a:ea typeface="+mn-ea"/>
-                <a:cs typeface="+mn-cs"/>
-              </a:rPr>
-              <a:t>(</a:t>
-            </a:r>
-          </a:p>
-          <a:p>
-            <a:r>
-              <a:rPr lang="en-US" sz="1200" b="0" i="0" u="none" strike="noStrike" kern="1200" baseline="0" dirty="0" err="1" smtClean="0">
-                <a:solidFill>
-                  <a:schemeClr val="tx1"/>
-                </a:solidFill>
-                <a:latin typeface="+mn-lt"/>
-                <a:ea typeface="+mn-ea"/>
-                <a:cs typeface="+mn-cs"/>
-              </a:rPr>
-              <a:t>newsgroups_train.data</a:t>
-            </a:r>
-            <a:r>
-              <a:rPr lang="en-US" sz="1200" b="0" i="0" u="none" strike="noStrike" kern="1200" baseline="0" dirty="0" smtClean="0">
-                <a:solidFill>
-                  <a:schemeClr val="tx1"/>
-                </a:solidFill>
-                <a:latin typeface="+mn-lt"/>
-                <a:ea typeface="+mn-ea"/>
-                <a:cs typeface="+mn-cs"/>
-              </a:rPr>
-              <a:t>)</a:t>
-            </a:r>
-          </a:p>
-          <a:p>
-            <a:r>
-              <a:rPr lang="en-US" sz="1200" b="0" i="0" u="none" strike="noStrike" kern="1200" baseline="0" dirty="0" smtClean="0">
-                <a:solidFill>
-                  <a:schemeClr val="tx1"/>
-                </a:solidFill>
-                <a:latin typeface="+mn-lt"/>
-                <a:ea typeface="+mn-ea"/>
-                <a:cs typeface="+mn-cs"/>
-              </a:rPr>
-              <a:t>D={</a:t>
-            </a:r>
-            <a:r>
-              <a:rPr lang="en-US" sz="1200" b="0" i="0" u="none" strike="noStrike" kern="1200" baseline="0" dirty="0" err="1" smtClean="0">
-                <a:solidFill>
-                  <a:schemeClr val="tx1"/>
-                </a:solidFill>
-                <a:latin typeface="+mn-lt"/>
-                <a:ea typeface="+mn-ea"/>
-                <a:cs typeface="+mn-cs"/>
-              </a:rPr>
-              <a:t>word:True</a:t>
-            </a:r>
-            <a:r>
-              <a:rPr lang="en-US" sz="1200" b="0" i="0" u="none" strike="noStrike" kern="1200" baseline="0" dirty="0" smtClean="0">
-                <a:solidFill>
-                  <a:schemeClr val="tx1"/>
-                </a:solidFill>
-                <a:latin typeface="+mn-lt"/>
-                <a:ea typeface="+mn-ea"/>
-                <a:cs typeface="+mn-cs"/>
-              </a:rPr>
-              <a:t> for post in </a:t>
-            </a:r>
-            <a:r>
-              <a:rPr lang="en-US" sz="1200" b="0" i="0" u="none" strike="noStrike" kern="1200" baseline="0" dirty="0" err="1" smtClean="0">
-                <a:solidFill>
-                  <a:schemeClr val="tx1"/>
-                </a:solidFill>
-                <a:latin typeface="+mn-lt"/>
-                <a:ea typeface="+mn-ea"/>
-                <a:cs typeface="+mn-cs"/>
-              </a:rPr>
-              <a:t>newsgroups_train.data</a:t>
-            </a:r>
-            <a:r>
-              <a:rPr lang="en-US" sz="1200" b="0" i="0" u="none" strike="noStrike" kern="1200" baseline="0" dirty="0" smtClean="0">
-                <a:solidFill>
-                  <a:schemeClr val="tx1"/>
-                </a:solidFill>
-                <a:latin typeface="+mn-lt"/>
-                <a:ea typeface="+mn-ea"/>
-                <a:cs typeface="+mn-cs"/>
-              </a:rPr>
-              <a:t> for word</a:t>
-            </a:r>
-          </a:p>
-          <a:p>
-            <a:r>
-              <a:rPr lang="en-US" sz="1200" b="0" i="0" u="none" strike="noStrike" kern="1200" baseline="0" dirty="0" smtClean="0">
-                <a:solidFill>
-                  <a:schemeClr val="tx1"/>
-                </a:solidFill>
-                <a:latin typeface="+mn-lt"/>
-                <a:ea typeface="+mn-ea"/>
-                <a:cs typeface="+mn-cs"/>
-              </a:rPr>
-              <a:t>in </a:t>
-            </a:r>
-            <a:r>
-              <a:rPr lang="en-US" sz="1200" b="0" i="0" u="none" strike="noStrike" kern="1200" baseline="0" dirty="0" err="1" smtClean="0">
-                <a:solidFill>
-                  <a:schemeClr val="tx1"/>
-                </a:solidFill>
-                <a:latin typeface="+mn-lt"/>
-                <a:ea typeface="+mn-ea"/>
-                <a:cs typeface="+mn-cs"/>
-              </a:rPr>
-              <a:t>post.split</a:t>
-            </a:r>
-            <a:r>
-              <a:rPr lang="en-US" sz="1200" b="0" i="0" u="none" strike="noStrike" kern="1200" baseline="0" dirty="0" smtClean="0">
-                <a:solidFill>
-                  <a:schemeClr val="tx1"/>
-                </a:solidFill>
-                <a:latin typeface="+mn-lt"/>
-                <a:ea typeface="+mn-ea"/>
-                <a:cs typeface="+mn-cs"/>
-              </a:rPr>
-              <a:t>(' ')}</a:t>
-            </a:r>
-          </a:p>
-          <a:p>
-            <a:r>
-              <a:rPr lang="en-US" sz="1200" b="0" i="0" u="none" strike="noStrike" kern="1200" baseline="0" dirty="0" smtClean="0">
-                <a:solidFill>
-                  <a:schemeClr val="tx1"/>
-                </a:solidFill>
-                <a:latin typeface="+mn-lt"/>
-                <a:ea typeface="+mn-ea"/>
-                <a:cs typeface="+mn-cs"/>
-              </a:rPr>
-              <a:t>print 'number of distinct words in training: %</a:t>
-            </a:r>
-            <a:r>
-              <a:rPr lang="en-US" sz="1200" b="0" i="0" u="none" strike="noStrike" kern="1200" baseline="0" dirty="0" err="1" smtClean="0">
-                <a:solidFill>
-                  <a:schemeClr val="tx1"/>
-                </a:solidFill>
-                <a:latin typeface="+mn-lt"/>
-                <a:ea typeface="+mn-ea"/>
-                <a:cs typeface="+mn-cs"/>
-              </a:rPr>
-              <a:t>i</a:t>
-            </a:r>
-            <a:r>
-              <a:rPr lang="en-US" sz="1200" b="0" i="0" u="none" strike="noStrike" kern="1200" baseline="0" dirty="0" smtClean="0">
-                <a:solidFill>
-                  <a:schemeClr val="tx1"/>
-                </a:solidFill>
-                <a:latin typeface="+mn-lt"/>
-                <a:ea typeface="+mn-ea"/>
-                <a:cs typeface="+mn-cs"/>
-              </a:rPr>
-              <a:t>' % </a:t>
-            </a:r>
-            <a:r>
-              <a:rPr lang="en-US" sz="1200" b="0" i="0" u="none" strike="noStrike" kern="1200" baseline="0" dirty="0" err="1" smtClean="0">
-                <a:solidFill>
-                  <a:schemeClr val="tx1"/>
-                </a:solidFill>
-                <a:latin typeface="+mn-lt"/>
-                <a:ea typeface="+mn-ea"/>
-                <a:cs typeface="+mn-cs"/>
-              </a:rPr>
-              <a:t>len</a:t>
-            </a:r>
-            <a:r>
-              <a:rPr lang="en-US" sz="1200" b="0" i="0" u="none" strike="noStrike" kern="1200" baseline="0" dirty="0" smtClean="0">
-                <a:solidFill>
-                  <a:schemeClr val="tx1"/>
-                </a:solidFill>
-                <a:latin typeface="+mn-lt"/>
-                <a:ea typeface="+mn-ea"/>
-                <a:cs typeface="+mn-cs"/>
-              </a:rPr>
-              <a:t>(D)</a:t>
-            </a:r>
-          </a:p>
-          <a:p>
-            <a:r>
-              <a:rPr lang="en-US" sz="1200" b="0" i="0" u="none" strike="noStrike" kern="1200" baseline="0" dirty="0" smtClean="0">
-                <a:solidFill>
-                  <a:schemeClr val="tx1"/>
-                </a:solidFill>
-                <a:latin typeface="+mn-lt"/>
-                <a:ea typeface="+mn-ea"/>
-                <a:cs typeface="+mn-cs"/>
-              </a:rPr>
-              <a:t>print 'number of posts in test: %</a:t>
-            </a:r>
-            <a:r>
-              <a:rPr lang="en-US" sz="1200" b="0" i="0" u="none" strike="noStrike" kern="1200" baseline="0" dirty="0" err="1" smtClean="0">
-                <a:solidFill>
-                  <a:schemeClr val="tx1"/>
-                </a:solidFill>
-                <a:latin typeface="+mn-lt"/>
-                <a:ea typeface="+mn-ea"/>
-                <a:cs typeface="+mn-cs"/>
-              </a:rPr>
-              <a:t>i</a:t>
-            </a:r>
-            <a:r>
-              <a:rPr lang="en-US" sz="1200" b="0" i="0" u="none" strike="noStrike" kern="1200" baseline="0" dirty="0" smtClean="0">
-                <a:solidFill>
-                  <a:schemeClr val="tx1"/>
-                </a:solidFill>
-                <a:latin typeface="+mn-lt"/>
-                <a:ea typeface="+mn-ea"/>
-                <a:cs typeface="+mn-cs"/>
-              </a:rPr>
-              <a:t>' % </a:t>
-            </a:r>
-            <a:r>
-              <a:rPr lang="en-US" sz="1200" b="0" i="0" u="none" strike="noStrike" kern="1200" baseline="0" dirty="0" err="1" smtClean="0">
-                <a:solidFill>
-                  <a:schemeClr val="tx1"/>
-                </a:solidFill>
-                <a:latin typeface="+mn-lt"/>
-                <a:ea typeface="+mn-ea"/>
-                <a:cs typeface="+mn-cs"/>
-              </a:rPr>
-              <a:t>len</a:t>
-            </a:r>
-            <a:r>
-              <a:rPr lang="en-US" sz="1200" b="0" i="0" u="none" strike="noStrike" kern="1200" baseline="0" dirty="0" smtClean="0">
-                <a:solidFill>
-                  <a:schemeClr val="tx1"/>
-                </a:solidFill>
-                <a:latin typeface="+mn-lt"/>
-                <a:ea typeface="+mn-ea"/>
-                <a:cs typeface="+mn-cs"/>
-              </a:rPr>
-              <a:t>(</a:t>
-            </a:r>
-          </a:p>
-          <a:p>
-            <a:r>
-              <a:rPr lang="en-US" sz="1200" b="0" i="0" u="none" strike="noStrike" kern="1200" baseline="0" dirty="0" err="1" smtClean="0">
-                <a:solidFill>
-                  <a:schemeClr val="tx1"/>
-                </a:solidFill>
-                <a:latin typeface="+mn-lt"/>
-                <a:ea typeface="+mn-ea"/>
-                <a:cs typeface="+mn-cs"/>
-              </a:rPr>
-              <a:t>newsgroups_test.data</a:t>
-            </a:r>
-            <a:r>
-              <a:rPr lang="en-US" sz="1200" b="0" i="0" u="none" strike="noStrike" kern="1200" baseline="0" dirty="0" smtClean="0">
-                <a:solidFill>
-                  <a:schemeClr val="tx1"/>
-                </a:solidFill>
-                <a:latin typeface="+mn-lt"/>
-                <a:ea typeface="+mn-ea"/>
-                <a:cs typeface="+mn-cs"/>
-              </a:rPr>
-              <a:t>)</a:t>
-            </a:r>
-          </a:p>
-          <a:p>
-            <a:r>
-              <a:rPr lang="en-US" sz="1200" b="0" i="0" u="none" strike="noStrike" kern="1200" baseline="0" dirty="0" smtClean="0">
-                <a:solidFill>
-                  <a:schemeClr val="tx1"/>
-                </a:solidFill>
-                <a:latin typeface="+mn-lt"/>
-                <a:ea typeface="+mn-ea"/>
-                <a:cs typeface="+mn-cs"/>
-              </a:rPr>
-              <a:t>number of posts in training: 11314</a:t>
-            </a:r>
-          </a:p>
-          <a:p>
-            <a:r>
-              <a:rPr lang="en-US" sz="1200" b="0" i="0" u="none" strike="noStrike" kern="1200" baseline="0" dirty="0" smtClean="0">
-                <a:solidFill>
-                  <a:schemeClr val="tx1"/>
-                </a:solidFill>
-                <a:latin typeface="+mn-lt"/>
-                <a:ea typeface="+mn-ea"/>
-                <a:cs typeface="+mn-cs"/>
-              </a:rPr>
-              <a:t>number of distinct words in training: 300972</a:t>
-            </a:r>
-          </a:p>
-          <a:p>
-            <a:r>
-              <a:rPr lang="en-US" sz="1200" b="0" i="0" u="none" strike="noStrike" kern="1200" baseline="0" dirty="0" smtClean="0">
-                <a:solidFill>
-                  <a:schemeClr val="tx1"/>
-                </a:solidFill>
-                <a:latin typeface="+mn-lt"/>
-                <a:ea typeface="+mn-ea"/>
-                <a:cs typeface="+mn-cs"/>
-              </a:rPr>
-              <a:t>number of posts in test: 7532</a:t>
-            </a:r>
-            <a:endParaRPr lang="he-IL" dirty="0"/>
-          </a:p>
-        </p:txBody>
-      </p:sp>
-      <p:sp>
-        <p:nvSpPr>
-          <p:cNvPr id="4" name="Slide Number Placeholder 3"/>
-          <p:cNvSpPr>
-            <a:spLocks noGrp="1"/>
-          </p:cNvSpPr>
-          <p:nvPr>
-            <p:ph type="sldNum" sz="quarter" idx="10"/>
-          </p:nvPr>
-        </p:nvSpPr>
-        <p:spPr/>
-        <p:txBody>
-          <a:bodyPr/>
-          <a:lstStyle/>
-          <a:p>
-            <a:fld id="{EF941387-0482-4AF6-9996-23A3E24C4593}" type="slidenum">
-              <a:rPr lang="en-US" smtClean="0"/>
-              <a:t>8</a:t>
-            </a:fld>
-            <a:endParaRPr lang="en-US"/>
-          </a:p>
-        </p:txBody>
-      </p:sp>
-    </p:spTree>
-    <p:extLst>
-      <p:ext uri="{BB962C8B-B14F-4D97-AF65-F5344CB8AC3E}">
-        <p14:creationId xmlns:p14="http://schemas.microsoft.com/office/powerpoint/2010/main" val="1022482059"/>
-      </p:ext>
-    </p:extLst>
-  </p:cSld>
-  <p:clrMapOvr>
-    <a:masterClrMapping/>
-  </p:clrMapOvr>
-</p:notes>
-</file>
-
 <file path=ppt/slideLayouts/slideLayout1.xml><?xml version="1.0" encoding="utf-8"?>
 <p:sldLayout xmlns:a="http://schemas.openxmlformats.org/drawingml/2006/main" xmlns:r="http://schemas.openxmlformats.org/officeDocument/2006/relationships" xmlns:p="http://schemas.openxmlformats.org/presentationml/2006/main" showMasterSp="0" type="title" preserve="1">
   <p:cSld name="Title Slide">
@@ -2283,7 +623,7 @@
           <a:p>
             <a:fld id="{BF4D7DE9-04F8-4F0B-A692-02FE1DAE9F6D}" type="datetimeFigureOut">
               <a:rPr lang="en-US" smtClean="0"/>
-              <a:t>5/2/2017</a:t>
+              <a:t>5/9/2017</a:t>
             </a:fld>
             <a:endParaRPr lang="en-US"/>
           </a:p>
@@ -2668,7 +1008,7 @@
           <a:p>
             <a:fld id="{BF4D7DE9-04F8-4F0B-A692-02FE1DAE9F6D}" type="datetimeFigureOut">
               <a:rPr lang="en-US" smtClean="0"/>
-              <a:t>5/2/2017</a:t>
+              <a:t>5/9/2017</a:t>
             </a:fld>
             <a:endParaRPr lang="en-US"/>
           </a:p>
@@ -2953,7 +1293,7 @@
           <a:p>
             <a:fld id="{BF4D7DE9-04F8-4F0B-A692-02FE1DAE9F6D}" type="datetimeFigureOut">
               <a:rPr lang="en-US" smtClean="0"/>
-              <a:t>5/2/2017</a:t>
+              <a:t>5/9/2017</a:t>
             </a:fld>
             <a:endParaRPr lang="en-US"/>
           </a:p>
@@ -3158,7 +1498,7 @@
           <a:p>
             <a:fld id="{BF4D7DE9-04F8-4F0B-A692-02FE1DAE9F6D}" type="datetimeFigureOut">
               <a:rPr lang="en-US" smtClean="0"/>
-              <a:t>5/2/2017</a:t>
+              <a:t>5/9/2017</a:t>
             </a:fld>
             <a:endParaRPr lang="en-US"/>
           </a:p>
@@ -3338,7 +1678,7 @@
           <a:p>
             <a:fld id="{BF4D7DE9-04F8-4F0B-A692-02FE1DAE9F6D}" type="datetimeFigureOut">
               <a:rPr lang="en-US" smtClean="0"/>
-              <a:t>5/2/2017</a:t>
+              <a:t>5/9/2017</a:t>
             </a:fld>
             <a:endParaRPr lang="en-US"/>
           </a:p>
@@ -3569,7 +1909,7 @@
           <a:p>
             <a:fld id="{BF4D7DE9-04F8-4F0B-A692-02FE1DAE9F6D}" type="datetimeFigureOut">
               <a:rPr lang="en-US" smtClean="0"/>
-              <a:t>5/2/2017</a:t>
+              <a:t>5/9/2017</a:t>
             </a:fld>
             <a:endParaRPr lang="en-US"/>
           </a:p>
@@ -3777,7 +2117,7 @@
           <a:p>
             <a:fld id="{BF4D7DE9-04F8-4F0B-A692-02FE1DAE9F6D}" type="datetimeFigureOut">
               <a:rPr lang="en-US" smtClean="0"/>
-              <a:t>5/2/2017</a:t>
+              <a:t>5/9/2017</a:t>
             </a:fld>
             <a:endParaRPr lang="en-US"/>
           </a:p>
@@ -4124,7 +2464,7 @@
           <a:p>
             <a:fld id="{BF4D7DE9-04F8-4F0B-A692-02FE1DAE9F6D}" type="datetimeFigureOut">
               <a:rPr lang="en-US" smtClean="0"/>
-              <a:t>5/2/2017</a:t>
+              <a:t>5/9/2017</a:t>
             </a:fld>
             <a:endParaRPr lang="en-US"/>
           </a:p>
@@ -4503,7 +2843,7 @@
           <a:p>
             <a:fld id="{BF4D7DE9-04F8-4F0B-A692-02FE1DAE9F6D}" type="datetimeFigureOut">
               <a:rPr lang="en-US" smtClean="0"/>
-              <a:t>5/2/2017</a:t>
+              <a:t>5/9/2017</a:t>
             </a:fld>
             <a:endParaRPr lang="en-US"/>
           </a:p>
@@ -4960,7 +3300,7 @@
           <a:p>
             <a:fld id="{BF4D7DE9-04F8-4F0B-A692-02FE1DAE9F6D}" type="datetimeFigureOut">
               <a:rPr lang="en-US" smtClean="0"/>
-              <a:t>5/2/2017</a:t>
+              <a:t>5/9/2017</a:t>
             </a:fld>
             <a:endParaRPr lang="en-US"/>
           </a:p>
@@ -5085,7 +3425,7 @@
           <a:p>
             <a:fld id="{BF4D7DE9-04F8-4F0B-A692-02FE1DAE9F6D}" type="datetimeFigureOut">
               <a:rPr lang="en-US" smtClean="0"/>
-              <a:t>5/2/2017</a:t>
+              <a:t>5/9/2017</a:t>
             </a:fld>
             <a:endParaRPr lang="en-US"/>
           </a:p>
@@ -5187,7 +3527,7 @@
           <a:p>
             <a:fld id="{BF4D7DE9-04F8-4F0B-A692-02FE1DAE9F6D}" type="datetimeFigureOut">
               <a:rPr lang="en-US" smtClean="0"/>
-              <a:t>5/2/2017</a:t>
+              <a:t>5/9/2017</a:t>
             </a:fld>
             <a:endParaRPr lang="en-US"/>
           </a:p>
@@ -5287,7 +3627,7 @@
           <a:p>
             <a:fld id="{BF4D7DE9-04F8-4F0B-A692-02FE1DAE9F6D}" type="datetimeFigureOut">
               <a:rPr lang="en-US" smtClean="0"/>
-              <a:t>5/2/2017</a:t>
+              <a:t>5/9/2017</a:t>
             </a:fld>
             <a:endParaRPr lang="en-US"/>
           </a:p>
@@ -5590,7 +3930,7 @@
           <a:p>
             <a:fld id="{BF4D7DE9-04F8-4F0B-A692-02FE1DAE9F6D}" type="datetimeFigureOut">
               <a:rPr lang="en-US" smtClean="0"/>
-              <a:t>5/2/2017</a:t>
+              <a:t>5/9/2017</a:t>
             </a:fld>
             <a:endParaRPr lang="en-US"/>
           </a:p>
@@ -6297,6 +4637,26 @@
             <a:endParaRPr lang="en-US" dirty="0" smtClean="0"/>
           </a:p>
           <a:p>
+            <a:r>
+              <a:rPr lang="en-US" dirty="0"/>
+              <a:t>or </a:t>
+            </a:r>
+            <a:r>
+              <a:rPr lang="en-US" dirty="0">
+                <a:hlinkClick r:id="rId3"/>
+              </a:rPr>
+              <a:t>http://</a:t>
+            </a:r>
+            <a:r>
+              <a:rPr lang="en-US" dirty="0" smtClean="0">
+                <a:hlinkClick r:id="rId3"/>
+              </a:rPr>
+              <a:t>guidetodatamining.com/assets/guideChapters/DataMining-ch6.pdf</a:t>
+            </a:r>
+            <a:r>
+              <a:rPr lang="en-US" dirty="0" smtClean="0"/>
+              <a:t> (longer)</a:t>
+            </a:r>
             <a:endParaRPr lang="he-IL" dirty="0"/>
           </a:p>
         </p:txBody>
@@ -6882,15 +5242,7 @@
                   <a:srgbClr val="99CB38"/>
                 </a:solidFill>
               </a:rPr>
-              <a:t>Your </a:t>
-            </a:r>
-            <a:r>
-              <a:rPr lang="en-US" b="1" dirty="0">
-                <a:solidFill>
-                  <a:srgbClr val="99CB38"/>
-                </a:solidFill>
-              </a:rPr>
-              <a:t>own</a:t>
+              <a:t>Your own</a:t>
             </a:r>
           </a:p>
           <a:p>
@@ -7002,78 +5354,6 @@
       </p:par>
     </p:tnLst>
   </p:timing>
-</p:sld>
-</file>
-
-<file path=ppt/slides/slide8.xml><?xml version="1.0" encoding="utf-8"?>
-<p:sld xmlns:a="http://schemas.openxmlformats.org/drawingml/2006/main" xmlns:r="http://schemas.openxmlformats.org/officeDocument/2006/relationships" xmlns:p="http://schemas.openxmlformats.org/presentationml/2006/main">
-  <p:cSld>
-    <p:spTree>
-      <p:nvGrpSpPr>
-        <p:cNvPr id="1" name=""/>
-        <p:cNvGrpSpPr/>
-        <p:nvPr/>
-      </p:nvGrpSpPr>
-      <p:grpSpPr>
-        <a:xfrm>
-          <a:off x="0" y="0"/>
-          <a:ext cx="0" cy="0"/>
-          <a:chOff x="0" y="0"/>
-          <a:chExt cx="0" cy="0"/>
-        </a:xfrm>
-      </p:grpSpPr>
-      <p:sp>
-        <p:nvSpPr>
-          <p:cNvPr id="2" name="Title 1"/>
-          <p:cNvSpPr>
-            <a:spLocks noGrp="1"/>
-          </p:cNvSpPr>
-          <p:nvPr>
-            <p:ph type="title"/>
-          </p:nvPr>
-        </p:nvSpPr>
-        <p:spPr/>
-        <p:txBody>
-          <a:bodyPr/>
-          <a:lstStyle/>
-          <a:p>
-            <a:r>
-              <a:rPr lang="en-US" dirty="0" smtClean="0"/>
-              <a:t>Example</a:t>
-            </a:r>
-            <a:endParaRPr lang="he-IL" dirty="0"/>
-          </a:p>
-        </p:txBody>
-      </p:sp>
-      <p:sp>
-        <p:nvSpPr>
-          <p:cNvPr id="3" name="Content Placeholder 2"/>
-          <p:cNvSpPr>
-            <a:spLocks noGrp="1"/>
-          </p:cNvSpPr>
-          <p:nvPr>
-            <p:ph idx="1"/>
-          </p:nvPr>
-        </p:nvSpPr>
-        <p:spPr/>
-        <p:txBody>
-          <a:bodyPr/>
-          <a:lstStyle/>
-          <a:p>
-            <a:endParaRPr lang="he-IL"/>
-          </a:p>
-        </p:txBody>
-      </p:sp>
-    </p:spTree>
-    <p:extLst>
-      <p:ext uri="{BB962C8B-B14F-4D97-AF65-F5344CB8AC3E}">
-        <p14:creationId xmlns:p14="http://schemas.microsoft.com/office/powerpoint/2010/main" val="1743793224"/>
-      </p:ext>
-    </p:extLst>
-  </p:cSld>
-  <p:clrMapOvr>
-    <a:masterClrMapping/>
-  </p:clrMapOvr>
 </p:sld>
 </file>
 
